--- a/slides/Programación con Python06.pptx
+++ b/slides/Programación con Python06.pptx
@@ -3589,7 +3589,15 @@
           <a:p>
             <a:r>
               <a:rPr lang="es-MX" dirty="0"/>
-              <a:t>El argumento es los que le pasas a la función</a:t>
+              <a:t>El argumento </a:t>
+            </a:r>
+            <a:r>
+              <a:rPr lang="es-MX"/>
+              <a:t>es lo </a:t>
+            </a:r>
+            <a:r>
+              <a:rPr lang="es-MX" dirty="0"/>
+              <a:t>que le pasas a la función</a:t>
             </a:r>
           </a:p>
           <a:p>
@@ -5523,7 +5531,7 @@
               <a:rPr lang="es-MX" sz="2800" dirty="0">
                 <a:latin typeface="Consolas" panose="020B0609020204030204" pitchFamily="49" charset="0"/>
               </a:rPr>
-              <a:t>f”1 entre 3 es: {num:.2f} con tres decimales”</a:t>
+              <a:t>f”1 entre 3 es: {num:.3f} con tres decimales”</a:t>
             </a:r>
             <a:r>
               <a:rPr lang="es-MX" sz="2800" dirty="0">
@@ -6380,7 +6388,13 @@
               <a:rPr lang="es-MX" sz="2800" dirty="0">
                 <a:latin typeface="Consolas" panose="020B0609020204030204" pitchFamily="49" charset="0"/>
               </a:rPr>
-              <a:t>	&lt;bloque&gt;</a:t>
+              <a:t>	</a:t>
+            </a:r>
+            <a:r>
+              <a:rPr lang="es-MX" sz="2800" i="1" dirty="0">
+                <a:latin typeface="Consolas" panose="020B0609020204030204" pitchFamily="49" charset="0"/>
+              </a:rPr>
+              <a:t>&lt;bloque&gt;</a:t>
             </a:r>
           </a:p>
           <a:p>

--- a/slides/Programación con Python06.pptx
+++ b/slides/Programación con Python06.pptx
@@ -282,7 +282,7 @@
           <a:p>
             <a:fld id="{F0BD690B-3748-411C-ABE2-76C30AC32B51}" type="datetimeFigureOut">
               <a:rPr lang="es-MX" smtClean="0"/>
-              <a:t>07/04/2020</a:t>
+              <a:t>08/04/2020</a:t>
             </a:fld>
             <a:endParaRPr lang="es-MX"/>
           </a:p>
@@ -482,7 +482,7 @@
           <a:p>
             <a:fld id="{F0BD690B-3748-411C-ABE2-76C30AC32B51}" type="datetimeFigureOut">
               <a:rPr lang="es-MX" smtClean="0"/>
-              <a:t>07/04/2020</a:t>
+              <a:t>08/04/2020</a:t>
             </a:fld>
             <a:endParaRPr lang="es-MX"/>
           </a:p>
@@ -692,7 +692,7 @@
           <a:p>
             <a:fld id="{F0BD690B-3748-411C-ABE2-76C30AC32B51}" type="datetimeFigureOut">
               <a:rPr lang="es-MX" smtClean="0"/>
-              <a:t>07/04/2020</a:t>
+              <a:t>08/04/2020</a:t>
             </a:fld>
             <a:endParaRPr lang="es-MX"/>
           </a:p>
@@ -892,7 +892,7 @@
           <a:p>
             <a:fld id="{F0BD690B-3748-411C-ABE2-76C30AC32B51}" type="datetimeFigureOut">
               <a:rPr lang="es-MX" smtClean="0"/>
-              <a:t>07/04/2020</a:t>
+              <a:t>08/04/2020</a:t>
             </a:fld>
             <a:endParaRPr lang="es-MX"/>
           </a:p>
@@ -1168,7 +1168,7 @@
           <a:p>
             <a:fld id="{F0BD690B-3748-411C-ABE2-76C30AC32B51}" type="datetimeFigureOut">
               <a:rPr lang="es-MX" smtClean="0"/>
-              <a:t>07/04/2020</a:t>
+              <a:t>08/04/2020</a:t>
             </a:fld>
             <a:endParaRPr lang="es-MX"/>
           </a:p>
@@ -1436,7 +1436,7 @@
           <a:p>
             <a:fld id="{F0BD690B-3748-411C-ABE2-76C30AC32B51}" type="datetimeFigureOut">
               <a:rPr lang="es-MX" smtClean="0"/>
-              <a:t>07/04/2020</a:t>
+              <a:t>08/04/2020</a:t>
             </a:fld>
             <a:endParaRPr lang="es-MX"/>
           </a:p>
@@ -1851,7 +1851,7 @@
           <a:p>
             <a:fld id="{F0BD690B-3748-411C-ABE2-76C30AC32B51}" type="datetimeFigureOut">
               <a:rPr lang="es-MX" smtClean="0"/>
-              <a:t>07/04/2020</a:t>
+              <a:t>08/04/2020</a:t>
             </a:fld>
             <a:endParaRPr lang="es-MX"/>
           </a:p>
@@ -1993,7 +1993,7 @@
           <a:p>
             <a:fld id="{F0BD690B-3748-411C-ABE2-76C30AC32B51}" type="datetimeFigureOut">
               <a:rPr lang="es-MX" smtClean="0"/>
-              <a:t>07/04/2020</a:t>
+              <a:t>08/04/2020</a:t>
             </a:fld>
             <a:endParaRPr lang="es-MX"/>
           </a:p>
@@ -2106,7 +2106,7 @@
           <a:p>
             <a:fld id="{F0BD690B-3748-411C-ABE2-76C30AC32B51}" type="datetimeFigureOut">
               <a:rPr lang="es-MX" smtClean="0"/>
-              <a:t>07/04/2020</a:t>
+              <a:t>08/04/2020</a:t>
             </a:fld>
             <a:endParaRPr lang="es-MX"/>
           </a:p>
@@ -2419,7 +2419,7 @@
           <a:p>
             <a:fld id="{F0BD690B-3748-411C-ABE2-76C30AC32B51}" type="datetimeFigureOut">
               <a:rPr lang="es-MX" smtClean="0"/>
-              <a:t>07/04/2020</a:t>
+              <a:t>08/04/2020</a:t>
             </a:fld>
             <a:endParaRPr lang="es-MX"/>
           </a:p>
@@ -2712,7 +2712,7 @@
           <a:p>
             <a:fld id="{F0BD690B-3748-411C-ABE2-76C30AC32B51}" type="datetimeFigureOut">
               <a:rPr lang="es-MX" smtClean="0"/>
-              <a:t>07/04/2020</a:t>
+              <a:t>08/04/2020</a:t>
             </a:fld>
             <a:endParaRPr lang="es-MX"/>
           </a:p>
@@ -2955,7 +2955,7 @@
           <a:p>
             <a:fld id="{F0BD690B-3748-411C-ABE2-76C30AC32B51}" type="datetimeFigureOut">
               <a:rPr lang="es-MX" smtClean="0"/>
-              <a:t>07/04/2020</a:t>
+              <a:t>08/04/2020</a:t>
             </a:fld>
             <a:endParaRPr lang="es-MX"/>
           </a:p>
@@ -5862,7 +5862,25 @@
                 </a:solidFill>
                 <a:latin typeface="Consolas" panose="020B0609020204030204" pitchFamily="49" charset="0"/>
               </a:rPr>
-              <a:t>print</a:t>
+              <a:t>p</a:t>
+            </a:r>
+            <a:r>
+              <a:rPr lang="es-MX" dirty="0" err="1">
+                <a:solidFill>
+                  <a:schemeClr val="accent1"/>
+                </a:solidFill>
+                <a:latin typeface="Consolas" panose="020B0609020204030204" pitchFamily="49" charset="0"/>
+              </a:rPr>
+              <a:t>rin</a:t>
+            </a:r>
+            <a:r>
+              <a:rPr lang="es-MX" dirty="0" err="1">
+                <a:solidFill>
+                  <a:srgbClr val="0070C0"/>
+                </a:solidFill>
+                <a:latin typeface="Consolas" panose="020B0609020204030204" pitchFamily="49" charset="0"/>
+              </a:rPr>
+              <a:t>t</a:t>
             </a:r>
             <a:r>
               <a:rPr lang="es-MX" dirty="0">
